--- a/MHW3.pptx
+++ b/MHW3.pptx
@@ -9,6 +9,8 @@
     <p:sldId id="264" r:id="rId3"/>
     <p:sldId id="265" r:id="rId4"/>
     <p:sldId id="266" r:id="rId5"/>
+    <p:sldId id="267" r:id="rId6"/>
+    <p:sldId id="268" r:id="rId7"/>
   </p:sldIdLst>
   <p:sldSz cx="12192000" cy="6858000"/>
   <p:notesSz cx="6858000" cy="9144000"/>
@@ -254,7 +256,7 @@
           <a:p>
             <a:fld id="{48A87A34-81AB-432B-8DAE-1953F412C126}" type="datetimeFigureOut">
               <a:rPr lang="en-US" dirty="0"/>
-              <a:t>4/22/2021</a:t>
+              <a:t>4/26/2021</a:t>
             </a:fld>
             <a:endParaRPr lang="en-US" dirty="0"/>
           </a:p>
@@ -429,7 +431,7 @@
           <a:p>
             <a:fld id="{48A87A34-81AB-432B-8DAE-1953F412C126}" type="datetimeFigureOut">
               <a:rPr lang="en-US" dirty="0"/>
-              <a:t>4/22/2021</a:t>
+              <a:t>4/26/2021</a:t>
             </a:fld>
             <a:endParaRPr lang="en-US" dirty="0"/>
           </a:p>
@@ -608,7 +610,7 @@
           <a:p>
             <a:fld id="{48A87A34-81AB-432B-8DAE-1953F412C126}" type="datetimeFigureOut">
               <a:rPr lang="en-US" dirty="0"/>
-              <a:t>4/22/2021</a:t>
+              <a:t>4/26/2021</a:t>
             </a:fld>
             <a:endParaRPr lang="en-US" dirty="0"/>
           </a:p>
@@ -773,7 +775,7 @@
           <a:p>
             <a:fld id="{48A87A34-81AB-432B-8DAE-1953F412C126}" type="datetimeFigureOut">
               <a:rPr lang="en-US" dirty="0"/>
-              <a:t>4/22/2021</a:t>
+              <a:t>4/26/2021</a:t>
             </a:fld>
             <a:endParaRPr lang="en-US" dirty="0"/>
           </a:p>
@@ -1016,7 +1018,7 @@
           <a:p>
             <a:fld id="{48A87A34-81AB-432B-8DAE-1953F412C126}" type="datetimeFigureOut">
               <a:rPr lang="en-US" dirty="0"/>
-              <a:t>4/22/2021</a:t>
+              <a:t>4/26/2021</a:t>
             </a:fld>
             <a:endParaRPr lang="en-US" dirty="0"/>
           </a:p>
@@ -1248,7 +1250,7 @@
           <a:p>
             <a:fld id="{48A87A34-81AB-432B-8DAE-1953F412C126}" type="datetimeFigureOut">
               <a:rPr lang="en-US" dirty="0"/>
-              <a:t>4/22/2021</a:t>
+              <a:t>4/26/2021</a:t>
             </a:fld>
             <a:endParaRPr lang="en-US" dirty="0"/>
           </a:p>
@@ -1628,7 +1630,7 @@
           <a:p>
             <a:fld id="{48A87A34-81AB-432B-8DAE-1953F412C126}" type="datetimeFigureOut">
               <a:rPr lang="en-US" dirty="0"/>
-              <a:t>4/22/2021</a:t>
+              <a:t>4/26/2021</a:t>
             </a:fld>
             <a:endParaRPr lang="en-US" dirty="0"/>
           </a:p>
@@ -1741,7 +1743,7 @@
           <a:p>
             <a:fld id="{48A87A34-81AB-432B-8DAE-1953F412C126}" type="datetimeFigureOut">
               <a:rPr lang="en-US" dirty="0"/>
-              <a:t>4/22/2021</a:t>
+              <a:t>4/26/2021</a:t>
             </a:fld>
             <a:endParaRPr lang="en-US" dirty="0"/>
           </a:p>
@@ -1831,7 +1833,7 @@
           <a:p>
             <a:fld id="{48A87A34-81AB-432B-8DAE-1953F412C126}" type="datetimeFigureOut">
               <a:rPr lang="en-US" dirty="0"/>
-              <a:t>4/22/2021</a:t>
+              <a:t>4/26/2021</a:t>
             </a:fld>
             <a:endParaRPr lang="en-US" dirty="0"/>
           </a:p>
@@ -2077,7 +2079,7 @@
           <a:p>
             <a:fld id="{48A87A34-81AB-432B-8DAE-1953F412C126}" type="datetimeFigureOut">
               <a:rPr lang="en-US" dirty="0"/>
-              <a:t>4/22/2021</a:t>
+              <a:t>4/26/2021</a:t>
             </a:fld>
             <a:endParaRPr lang="en-US" dirty="0"/>
           </a:p>
@@ -2464,7 +2466,7 @@
             <a:fld id="{48A87A34-81AB-432B-8DAE-1953F412C126}" type="datetimeFigureOut">
               <a:rPr lang="en-US" dirty="0"/>
               <a:pPr/>
-              <a:t>4/22/2021</a:t>
+              <a:t>4/26/2021</a:t>
             </a:fld>
             <a:endParaRPr lang="en-US" dirty="0"/>
           </a:p>
@@ -2678,7 +2680,7 @@
             <a:fld id="{48A87A34-81AB-432B-8DAE-1953F412C126}" type="datetimeFigureOut">
               <a:rPr lang="en-US" dirty="0"/>
               <a:pPr/>
-              <a:t>4/22/2021</a:t>
+              <a:t>4/26/2021</a:t>
             </a:fld>
             <a:endParaRPr lang="en-US" dirty="0"/>
           </a:p>
@@ -8985,6 +8987,1393 @@
 </p:sld>
 </file>
 
+<file path=ppt/slides/slide5.xml><?xml version="1.0" encoding="utf-8"?>
+<p:sld xmlns:a="http://schemas.openxmlformats.org/drawingml/2006/main" xmlns:r="http://schemas.openxmlformats.org/officeDocument/2006/relationships" xmlns:p="http://schemas.openxmlformats.org/presentationml/2006/main">
+  <p:cSld>
+    <p:spTree>
+      <p:nvGrpSpPr>
+        <p:cNvPr id="1" name=""/>
+        <p:cNvGrpSpPr/>
+        <p:nvPr/>
+      </p:nvGrpSpPr>
+      <p:grpSpPr>
+        <a:xfrm>
+          <a:off x="0" y="0"/>
+          <a:ext cx="0" cy="0"/>
+          <a:chOff x="0" y="0"/>
+          <a:chExt cx="0" cy="0"/>
+        </a:xfrm>
+      </p:grpSpPr>
+      <p:sp>
+        <p:nvSpPr>
+          <p:cNvPr id="2" name="Titolo 1">
+            <a:extLst>
+              <a:ext uri="{FF2B5EF4-FFF2-40B4-BE49-F238E27FC236}">
+                <a16:creationId xmlns:a16="http://schemas.microsoft.com/office/drawing/2014/main" id="{F4627099-DF85-4265-80F6-A4DDBDFDED26}"/>
+              </a:ext>
+            </a:extLst>
+          </p:cNvPr>
+          <p:cNvSpPr>
+            <a:spLocks noGrp="1"/>
+          </p:cNvSpPr>
+          <p:nvPr>
+            <p:ph type="title"/>
+          </p:nvPr>
+        </p:nvSpPr>
+        <p:spPr>
+          <a:xfrm>
+            <a:off x="1450392" y="0"/>
+            <a:ext cx="9291215" cy="1049235"/>
+          </a:xfrm>
+        </p:spPr>
+        <p:txBody>
+          <a:bodyPr/>
+          <a:lstStyle/>
+          <a:p>
+            <a:r>
+              <a:rPr lang="it-IT" dirty="0">
+                <a:latin typeface="Baskerville Old Face" panose="02020602080505020303" pitchFamily="18" charset="0"/>
+              </a:rPr>
+              <a:t>Risposta </a:t>
+            </a:r>
+            <a:r>
+              <a:rPr lang="it-IT" dirty="0" err="1">
+                <a:latin typeface="Baskerville Old Face" panose="02020602080505020303" pitchFamily="18" charset="0"/>
+              </a:rPr>
+              <a:t>json</a:t>
+            </a:r>
+            <a:r>
+              <a:rPr lang="it-IT" dirty="0">
+                <a:latin typeface="Baskerville Old Face" panose="02020602080505020303" pitchFamily="18" charset="0"/>
+              </a:rPr>
+              <a:t>  api meteo</a:t>
+            </a:r>
+          </a:p>
+        </p:txBody>
+      </p:sp>
+      <p:sp>
+        <p:nvSpPr>
+          <p:cNvPr id="3" name="Segnaposto contenuto 2">
+            <a:extLst>
+              <a:ext uri="{FF2B5EF4-FFF2-40B4-BE49-F238E27FC236}">
+                <a16:creationId xmlns:a16="http://schemas.microsoft.com/office/drawing/2014/main" id="{77C9C188-D8A6-4675-9CA1-6383FEFA5854}"/>
+              </a:ext>
+            </a:extLst>
+          </p:cNvPr>
+          <p:cNvSpPr>
+            <a:spLocks noGrp="1"/>
+          </p:cNvSpPr>
+          <p:nvPr>
+            <p:ph idx="1"/>
+          </p:nvPr>
+        </p:nvSpPr>
+        <p:spPr>
+          <a:xfrm>
+            <a:off x="531222" y="1980905"/>
+            <a:ext cx="11451771" cy="4916136"/>
+          </a:xfrm>
+        </p:spPr>
+        <p:txBody>
+          <a:bodyPr>
+            <a:normAutofit/>
+          </a:bodyPr>
+          <a:lstStyle/>
+          <a:p>
+            <a:pPr marL="0" indent="0" algn="l">
+              <a:buNone/>
+            </a:pPr>
+            <a:r>
+              <a:rPr lang="it-IT" sz="1600" i="1" dirty="0">
+                <a:latin typeface="Baskerville Old Face" panose="02020602080505020303" pitchFamily="18" charset="0"/>
+              </a:rPr>
+              <a:t>         </a:t>
+            </a:r>
+            <a:r>
+              <a:rPr lang="it-IT" sz="1600" b="0" i="1" dirty="0">
+                <a:effectLst/>
+                <a:latin typeface="Baskerville Old Face" panose="02020602080505020303" pitchFamily="18" charset="0"/>
+              </a:rPr>
+              <a:t>{</a:t>
+            </a:r>
+            <a:r>
+              <a:rPr lang="it-IT" sz="1600" b="0" i="1" dirty="0" err="1">
+                <a:effectLst/>
+                <a:latin typeface="Baskerville Old Face" panose="02020602080505020303" pitchFamily="18" charset="0"/>
+              </a:rPr>
+              <a:t>request</a:t>
+            </a:r>
+            <a:r>
+              <a:rPr lang="it-IT" sz="1600" b="0" i="1" dirty="0">
+                <a:effectLst/>
+                <a:latin typeface="Baskerville Old Face" panose="02020602080505020303" pitchFamily="18" charset="0"/>
+              </a:rPr>
+              <a:t>: {…}, location: {…}, </a:t>
+            </a:r>
+            <a:r>
+              <a:rPr lang="it-IT" sz="1600" b="0" i="1" dirty="0" err="1">
+                <a:effectLst/>
+                <a:latin typeface="Baskerville Old Face" panose="02020602080505020303" pitchFamily="18" charset="0"/>
+              </a:rPr>
+              <a:t>current</a:t>
+            </a:r>
+            <a:r>
+              <a:rPr lang="it-IT" sz="1600" b="0" i="1" dirty="0">
+                <a:effectLst/>
+                <a:latin typeface="Baskerville Old Face" panose="02020602080505020303" pitchFamily="18" charset="0"/>
+              </a:rPr>
+              <a:t>: {…}}</a:t>
+            </a:r>
+            <a:endParaRPr lang="it-IT" sz="1600" b="0" i="0" dirty="0">
+              <a:effectLst/>
+              <a:latin typeface="Baskerville Old Face" panose="02020602080505020303" pitchFamily="18" charset="0"/>
+            </a:endParaRPr>
+          </a:p>
+          <a:p>
+            <a:pPr marL="457200" lvl="1" indent="0" algn="l">
+              <a:buNone/>
+            </a:pPr>
+            <a:r>
+              <a:rPr lang="it-IT" sz="1600" b="0" i="0" dirty="0" err="1">
+                <a:effectLst/>
+                <a:latin typeface="Baskerville Old Face" panose="02020602080505020303" pitchFamily="18" charset="0"/>
+              </a:rPr>
+              <a:t>current</a:t>
+            </a:r>
+            <a:r>
+              <a:rPr lang="it-IT" sz="1600" b="0" i="0" dirty="0">
+                <a:effectLst/>
+                <a:latin typeface="Baskerville Old Face" panose="02020602080505020303" pitchFamily="18" charset="0"/>
+              </a:rPr>
+              <a:t>: {</a:t>
+            </a:r>
+            <a:r>
+              <a:rPr lang="it-IT" sz="1600" b="0" i="0" dirty="0" err="1">
+                <a:effectLst/>
+                <a:latin typeface="Baskerville Old Face" panose="02020602080505020303" pitchFamily="18" charset="0"/>
+              </a:rPr>
+              <a:t>observation_time</a:t>
+            </a:r>
+            <a:r>
+              <a:rPr lang="it-IT" sz="1600" b="0" i="0" dirty="0">
+                <a:effectLst/>
+                <a:latin typeface="Baskerville Old Face" panose="02020602080505020303" pitchFamily="18" charset="0"/>
+              </a:rPr>
+              <a:t>: "07:01 PM", temperature: 17, </a:t>
+            </a:r>
+            <a:r>
+              <a:rPr lang="it-IT" sz="1600" b="0" i="0" dirty="0" err="1">
+                <a:effectLst/>
+                <a:latin typeface="Baskerville Old Face" panose="02020602080505020303" pitchFamily="18" charset="0"/>
+              </a:rPr>
+              <a:t>weather_code</a:t>
+            </a:r>
+            <a:r>
+              <a:rPr lang="it-IT" sz="1600" b="0" i="0" dirty="0">
+                <a:effectLst/>
+                <a:latin typeface="Baskerville Old Face" panose="02020602080505020303" pitchFamily="18" charset="0"/>
+              </a:rPr>
+              <a:t>: 116, </a:t>
+            </a:r>
+            <a:r>
+              <a:rPr lang="it-IT" sz="1600" b="0" i="0" dirty="0" err="1">
+                <a:effectLst/>
+                <a:latin typeface="Baskerville Old Face" panose="02020602080505020303" pitchFamily="18" charset="0"/>
+              </a:rPr>
+              <a:t>weather_icons</a:t>
+            </a:r>
+            <a:r>
+              <a:rPr lang="it-IT" sz="1600" b="0" i="0" dirty="0">
+                <a:effectLst/>
+                <a:latin typeface="Baskerville Old Face" panose="02020602080505020303" pitchFamily="18" charset="0"/>
+              </a:rPr>
+              <a:t>: Array(1), </a:t>
+            </a:r>
+            <a:r>
+              <a:rPr lang="it-IT" sz="1600" b="0" i="0" dirty="0" err="1">
+                <a:effectLst/>
+                <a:latin typeface="Baskerville Old Face" panose="02020602080505020303" pitchFamily="18" charset="0"/>
+              </a:rPr>
+              <a:t>weather_descriptions</a:t>
+            </a:r>
+            <a:r>
+              <a:rPr lang="it-IT" sz="1600" b="0" i="0" dirty="0">
+                <a:effectLst/>
+                <a:latin typeface="Baskerville Old Face" panose="02020602080505020303" pitchFamily="18" charset="0"/>
+              </a:rPr>
+              <a:t>: Array(1), …}</a:t>
+            </a:r>
+          </a:p>
+          <a:p>
+            <a:pPr marL="457200" lvl="1" indent="0" algn="l">
+              <a:buNone/>
+            </a:pPr>
+            <a:r>
+              <a:rPr lang="it-IT" sz="1600" b="0" i="0" dirty="0">
+                <a:effectLst/>
+                <a:latin typeface="Baskerville Old Face" panose="02020602080505020303" pitchFamily="18" charset="0"/>
+              </a:rPr>
+              <a:t>location: {name: "Catania", country: "</a:t>
+            </a:r>
+            <a:r>
+              <a:rPr lang="it-IT" sz="1600" b="0" i="0" dirty="0" err="1">
+                <a:effectLst/>
+                <a:latin typeface="Baskerville Old Face" panose="02020602080505020303" pitchFamily="18" charset="0"/>
+              </a:rPr>
+              <a:t>Italy</a:t>
+            </a:r>
+            <a:r>
+              <a:rPr lang="it-IT" sz="1600" b="0" i="0" dirty="0">
+                <a:effectLst/>
+                <a:latin typeface="Baskerville Old Face" panose="02020602080505020303" pitchFamily="18" charset="0"/>
+              </a:rPr>
+              <a:t>", </a:t>
+            </a:r>
+            <a:r>
+              <a:rPr lang="it-IT" sz="1600" b="0" i="0" dirty="0" err="1">
+                <a:effectLst/>
+                <a:latin typeface="Baskerville Old Face" panose="02020602080505020303" pitchFamily="18" charset="0"/>
+              </a:rPr>
+              <a:t>region</a:t>
+            </a:r>
+            <a:r>
+              <a:rPr lang="it-IT" sz="1600" b="0" i="0" dirty="0">
+                <a:effectLst/>
+                <a:latin typeface="Baskerville Old Face" panose="02020602080505020303" pitchFamily="18" charset="0"/>
+              </a:rPr>
+              <a:t>: "Sicilia", </a:t>
+            </a:r>
+            <a:r>
+              <a:rPr lang="it-IT" sz="1600" b="0" i="0" dirty="0" err="1">
+                <a:effectLst/>
+                <a:latin typeface="Baskerville Old Face" panose="02020602080505020303" pitchFamily="18" charset="0"/>
+              </a:rPr>
+              <a:t>lat</a:t>
+            </a:r>
+            <a:r>
+              <a:rPr lang="it-IT" sz="1600" b="0" i="0" dirty="0">
+                <a:effectLst/>
+                <a:latin typeface="Baskerville Old Face" panose="02020602080505020303" pitchFamily="18" charset="0"/>
+              </a:rPr>
+              <a:t>: "37.500", </a:t>
+            </a:r>
+            <a:r>
+              <a:rPr lang="it-IT" sz="1600" b="0" i="0" dirty="0" err="1">
+                <a:effectLst/>
+                <a:latin typeface="Baskerville Old Face" panose="02020602080505020303" pitchFamily="18" charset="0"/>
+              </a:rPr>
+              <a:t>lon</a:t>
+            </a:r>
+            <a:r>
+              <a:rPr lang="it-IT" sz="1600" b="0" i="0" dirty="0">
+                <a:effectLst/>
+                <a:latin typeface="Baskerville Old Face" panose="02020602080505020303" pitchFamily="18" charset="0"/>
+              </a:rPr>
+              <a:t>: "15.100", …}</a:t>
+            </a:r>
+          </a:p>
+          <a:p>
+            <a:pPr marL="457200" lvl="1" indent="0" algn="l">
+              <a:buNone/>
+            </a:pPr>
+            <a:r>
+              <a:rPr lang="it-IT" sz="1600" b="0" i="0" dirty="0" err="1">
+                <a:effectLst/>
+                <a:latin typeface="Baskerville Old Face" panose="02020602080505020303" pitchFamily="18" charset="0"/>
+              </a:rPr>
+              <a:t>request</a:t>
+            </a:r>
+            <a:r>
+              <a:rPr lang="it-IT" sz="1600" b="0" i="0" dirty="0">
+                <a:effectLst/>
+                <a:latin typeface="Baskerville Old Face" panose="02020602080505020303" pitchFamily="18" charset="0"/>
+              </a:rPr>
+              <a:t>: {</a:t>
+            </a:r>
+            <a:r>
+              <a:rPr lang="it-IT" sz="1600" b="0" i="0" dirty="0" err="1">
+                <a:effectLst/>
+                <a:latin typeface="Baskerville Old Face" panose="02020602080505020303" pitchFamily="18" charset="0"/>
+              </a:rPr>
+              <a:t>type</a:t>
+            </a:r>
+            <a:r>
+              <a:rPr lang="it-IT" sz="1600" b="0" i="0" dirty="0">
+                <a:effectLst/>
+                <a:latin typeface="Baskerville Old Face" panose="02020602080505020303" pitchFamily="18" charset="0"/>
+              </a:rPr>
+              <a:t>: "City", query: "Catania, </a:t>
+            </a:r>
+            <a:r>
+              <a:rPr lang="it-IT" sz="1600" b="0" i="0" dirty="0" err="1">
+                <a:effectLst/>
+                <a:latin typeface="Baskerville Old Face" panose="02020602080505020303" pitchFamily="18" charset="0"/>
+              </a:rPr>
+              <a:t>Italy</a:t>
+            </a:r>
+            <a:r>
+              <a:rPr lang="it-IT" sz="1600" b="0" i="0" dirty="0">
+                <a:effectLst/>
+                <a:latin typeface="Baskerville Old Face" panose="02020602080505020303" pitchFamily="18" charset="0"/>
+              </a:rPr>
+              <a:t>", </a:t>
+            </a:r>
+            <a:r>
+              <a:rPr lang="it-IT" sz="1600" b="0" i="0" dirty="0" err="1">
+                <a:effectLst/>
+                <a:latin typeface="Baskerville Old Face" panose="02020602080505020303" pitchFamily="18" charset="0"/>
+              </a:rPr>
+              <a:t>language</a:t>
+            </a:r>
+            <a:r>
+              <a:rPr lang="it-IT" sz="1600" b="0" i="0" dirty="0">
+                <a:effectLst/>
+                <a:latin typeface="Baskerville Old Face" panose="02020602080505020303" pitchFamily="18" charset="0"/>
+              </a:rPr>
+              <a:t>: "en", </a:t>
+            </a:r>
+            <a:r>
+              <a:rPr lang="it-IT" sz="1600" b="0" i="0" dirty="0" err="1">
+                <a:effectLst/>
+                <a:latin typeface="Baskerville Old Face" panose="02020602080505020303" pitchFamily="18" charset="0"/>
+              </a:rPr>
+              <a:t>unit</a:t>
+            </a:r>
+            <a:r>
+              <a:rPr lang="it-IT" sz="1600" b="0" i="0" dirty="0">
+                <a:effectLst/>
+                <a:latin typeface="Baskerville Old Face" panose="02020602080505020303" pitchFamily="18" charset="0"/>
+              </a:rPr>
+              <a:t>: "m"}</a:t>
+            </a:r>
+          </a:p>
+          <a:p>
+            <a:pPr marL="457200" lvl="1" indent="0" algn="l">
+              <a:buNone/>
+            </a:pPr>
+            <a:r>
+              <a:rPr lang="it-IT" sz="1600" b="0" i="0" dirty="0">
+                <a:effectLst/>
+                <a:latin typeface="Baskerville Old Face" panose="02020602080505020303" pitchFamily="18" charset="0"/>
+              </a:rPr>
+              <a:t>__proto__: Object</a:t>
+            </a:r>
+          </a:p>
+          <a:p>
+            <a:pPr marL="0" indent="0">
+              <a:buNone/>
+            </a:pPr>
+            <a:endParaRPr lang="it-IT" dirty="0"/>
+          </a:p>
+        </p:txBody>
+      </p:sp>
+    </p:spTree>
+    <p:extLst>
+      <p:ext uri="{BB962C8B-B14F-4D97-AF65-F5344CB8AC3E}">
+        <p14:creationId xmlns:p14="http://schemas.microsoft.com/office/powerpoint/2010/main" val="4054044911"/>
+      </p:ext>
+    </p:extLst>
+  </p:cSld>
+  <p:clrMapOvr>
+    <a:masterClrMapping/>
+  </p:clrMapOvr>
+</p:sld>
+</file>
+
+<file path=ppt/slides/slide6.xml><?xml version="1.0" encoding="utf-8"?>
+<p:sld xmlns:a="http://schemas.openxmlformats.org/drawingml/2006/main" xmlns:r="http://schemas.openxmlformats.org/officeDocument/2006/relationships" xmlns:p="http://schemas.openxmlformats.org/presentationml/2006/main">
+  <p:cSld>
+    <p:spTree>
+      <p:nvGrpSpPr>
+        <p:cNvPr id="1" name=""/>
+        <p:cNvGrpSpPr/>
+        <p:nvPr/>
+      </p:nvGrpSpPr>
+      <p:grpSpPr>
+        <a:xfrm>
+          <a:off x="0" y="0"/>
+          <a:ext cx="0" cy="0"/>
+          <a:chOff x="0" y="0"/>
+          <a:chExt cx="0" cy="0"/>
+        </a:xfrm>
+      </p:grpSpPr>
+      <p:sp>
+        <p:nvSpPr>
+          <p:cNvPr id="2" name="Titolo 1">
+            <a:extLst>
+              <a:ext uri="{FF2B5EF4-FFF2-40B4-BE49-F238E27FC236}">
+                <a16:creationId xmlns:a16="http://schemas.microsoft.com/office/drawing/2014/main" id="{F4627099-DF85-4265-80F6-A4DDBDFDED26}"/>
+              </a:ext>
+            </a:extLst>
+          </p:cNvPr>
+          <p:cNvSpPr>
+            <a:spLocks noGrp="1"/>
+          </p:cNvSpPr>
+          <p:nvPr>
+            <p:ph type="title"/>
+          </p:nvPr>
+        </p:nvSpPr>
+        <p:spPr>
+          <a:xfrm>
+            <a:off x="1450392" y="0"/>
+            <a:ext cx="9291215" cy="1049235"/>
+          </a:xfrm>
+        </p:spPr>
+        <p:txBody>
+          <a:bodyPr/>
+          <a:lstStyle/>
+          <a:p>
+            <a:r>
+              <a:rPr lang="it-IT" dirty="0">
+                <a:latin typeface="Baskerville Old Face" panose="02020602080505020303" pitchFamily="18" charset="0"/>
+              </a:rPr>
+              <a:t>Risposta </a:t>
+            </a:r>
+            <a:r>
+              <a:rPr lang="it-IT" dirty="0" err="1">
+                <a:latin typeface="Baskerville Old Face" panose="02020602080505020303" pitchFamily="18" charset="0"/>
+              </a:rPr>
+              <a:t>json</a:t>
+            </a:r>
+            <a:r>
+              <a:rPr lang="it-IT" dirty="0">
+                <a:latin typeface="Baskerville Old Face" panose="02020602080505020303" pitchFamily="18" charset="0"/>
+              </a:rPr>
+              <a:t> api lista hotel</a:t>
+            </a:r>
+          </a:p>
+        </p:txBody>
+      </p:sp>
+      <p:sp>
+        <p:nvSpPr>
+          <p:cNvPr id="3" name="Segnaposto contenuto 2">
+            <a:extLst>
+              <a:ext uri="{FF2B5EF4-FFF2-40B4-BE49-F238E27FC236}">
+                <a16:creationId xmlns:a16="http://schemas.microsoft.com/office/drawing/2014/main" id="{77C9C188-D8A6-4675-9CA1-6383FEFA5854}"/>
+              </a:ext>
+            </a:extLst>
+          </p:cNvPr>
+          <p:cNvSpPr>
+            <a:spLocks noGrp="1"/>
+          </p:cNvSpPr>
+          <p:nvPr>
+            <p:ph idx="1"/>
+          </p:nvPr>
+        </p:nvSpPr>
+        <p:spPr>
+          <a:xfrm>
+            <a:off x="370113" y="901042"/>
+            <a:ext cx="11451771" cy="4916136"/>
+          </a:xfrm>
+        </p:spPr>
+        <p:txBody>
+          <a:bodyPr>
+            <a:normAutofit fontScale="25000" lnSpcReduction="20000"/>
+          </a:bodyPr>
+          <a:lstStyle/>
+          <a:p>
+            <a:pPr marL="0" indent="0" algn="l">
+              <a:buNone/>
+            </a:pPr>
+            <a:r>
+              <a:rPr lang="it-IT" b="0" i="0" dirty="0">
+                <a:effectLst/>
+                <a:latin typeface="consolas" panose="020B0609020204030204" pitchFamily="49" charset="0"/>
+              </a:rPr>
+              <a:t>Object</a:t>
+            </a:r>
+          </a:p>
+          <a:p>
+            <a:pPr marL="457200" lvl="1" indent="0" algn="l">
+              <a:buNone/>
+            </a:pPr>
+            <a:r>
+              <a:rPr lang="it-IT" sz="2800" b="0" i="0" dirty="0" err="1">
+                <a:effectLst/>
+                <a:latin typeface="consolas" panose="020B0609020204030204" pitchFamily="49" charset="0"/>
+              </a:rPr>
+              <a:t>autoSuggestInstance</a:t>
+            </a:r>
+            <a:r>
+              <a:rPr lang="it-IT" sz="2800" b="0" i="0" dirty="0">
+                <a:effectLst/>
+                <a:latin typeface="consolas" panose="020B0609020204030204" pitchFamily="49" charset="0"/>
+              </a:rPr>
+              <a:t>: </a:t>
+            </a:r>
+            <a:r>
+              <a:rPr lang="it-IT" sz="2800" b="0" i="0" dirty="0" err="1">
+                <a:effectLst/>
+                <a:latin typeface="consolas" panose="020B0609020204030204" pitchFamily="49" charset="0"/>
+              </a:rPr>
+              <a:t>null</a:t>
+            </a:r>
+            <a:endParaRPr lang="it-IT" sz="2800" b="0" i="0" dirty="0">
+              <a:effectLst/>
+              <a:latin typeface="consolas" panose="020B0609020204030204" pitchFamily="49" charset="0"/>
+            </a:endParaRPr>
+          </a:p>
+          <a:p>
+            <a:pPr marL="457200" lvl="1" indent="0" algn="l">
+              <a:buNone/>
+            </a:pPr>
+            <a:r>
+              <a:rPr lang="it-IT" sz="2800" b="0" i="0" dirty="0" err="1">
+                <a:effectLst/>
+                <a:latin typeface="consolas" panose="020B0609020204030204" pitchFamily="49" charset="0"/>
+              </a:rPr>
+              <a:t>geocodeFallback</a:t>
+            </a:r>
+            <a:r>
+              <a:rPr lang="it-IT" sz="2800" b="0" i="0" dirty="0">
+                <a:effectLst/>
+                <a:latin typeface="consolas" panose="020B0609020204030204" pitchFamily="49" charset="0"/>
+              </a:rPr>
+              <a:t>: false</a:t>
+            </a:r>
+          </a:p>
+          <a:p>
+            <a:pPr marL="457200" lvl="1" indent="0" algn="l">
+              <a:buNone/>
+            </a:pPr>
+            <a:r>
+              <a:rPr lang="it-IT" sz="2800" b="0" i="0" dirty="0" err="1">
+                <a:effectLst/>
+                <a:latin typeface="consolas" panose="020B0609020204030204" pitchFamily="49" charset="0"/>
+              </a:rPr>
+              <a:t>misspellingfallback</a:t>
+            </a:r>
+            <a:r>
+              <a:rPr lang="it-IT" sz="2800" b="0" i="0" dirty="0">
+                <a:effectLst/>
+                <a:latin typeface="consolas" panose="020B0609020204030204" pitchFamily="49" charset="0"/>
+              </a:rPr>
+              <a:t>: false</a:t>
+            </a:r>
+          </a:p>
+          <a:p>
+            <a:pPr marL="457200" lvl="1" indent="0" algn="l">
+              <a:buNone/>
+            </a:pPr>
+            <a:r>
+              <a:rPr lang="it-IT" sz="2800" b="0" i="0" dirty="0" err="1">
+                <a:effectLst/>
+                <a:latin typeface="consolas" panose="020B0609020204030204" pitchFamily="49" charset="0"/>
+              </a:rPr>
+              <a:t>moresuggestions</a:t>
+            </a:r>
+            <a:r>
+              <a:rPr lang="it-IT" sz="2800" b="0" i="0" dirty="0">
+                <a:effectLst/>
+                <a:latin typeface="consolas" panose="020B0609020204030204" pitchFamily="49" charset="0"/>
+              </a:rPr>
+              <a:t>: 25</a:t>
+            </a:r>
+          </a:p>
+          <a:p>
+            <a:pPr marL="457200" lvl="1" indent="0" algn="l">
+              <a:buNone/>
+            </a:pPr>
+            <a:r>
+              <a:rPr lang="it-IT" sz="2800" b="0" i="0" dirty="0" err="1">
+                <a:effectLst/>
+                <a:latin typeface="consolas" panose="020B0609020204030204" pitchFamily="49" charset="0"/>
+              </a:rPr>
+              <a:t>suggestions</a:t>
+            </a:r>
+            <a:r>
+              <a:rPr lang="it-IT" sz="2800" b="0" i="0" dirty="0">
+                <a:effectLst/>
+                <a:latin typeface="consolas" panose="020B0609020204030204" pitchFamily="49" charset="0"/>
+              </a:rPr>
+              <a:t>: Array(4)</a:t>
+            </a:r>
+          </a:p>
+          <a:p>
+            <a:pPr marL="914400" lvl="2" indent="0" algn="l">
+              <a:buNone/>
+            </a:pPr>
+            <a:r>
+              <a:rPr lang="it-IT" sz="2800" b="0" i="0" dirty="0">
+                <a:effectLst/>
+                <a:latin typeface="consolas" panose="020B0609020204030204" pitchFamily="49" charset="0"/>
+              </a:rPr>
+              <a:t>0: {group: "CITY_GROUP", </a:t>
+            </a:r>
+            <a:r>
+              <a:rPr lang="it-IT" sz="2800" b="0" i="0" dirty="0" err="1">
+                <a:effectLst/>
+                <a:latin typeface="consolas" panose="020B0609020204030204" pitchFamily="49" charset="0"/>
+              </a:rPr>
+              <a:t>entities</a:t>
+            </a:r>
+            <a:r>
+              <a:rPr lang="it-IT" sz="2800" b="0" i="0" dirty="0">
+                <a:effectLst/>
+                <a:latin typeface="consolas" panose="020B0609020204030204" pitchFamily="49" charset="0"/>
+              </a:rPr>
+              <a:t>: Array(5)}</a:t>
+            </a:r>
+          </a:p>
+          <a:p>
+            <a:pPr marL="914400" lvl="2" indent="0" algn="l">
+              <a:buNone/>
+            </a:pPr>
+            <a:r>
+              <a:rPr lang="it-IT" sz="2800" b="0" i="0" dirty="0">
+                <a:effectLst/>
+                <a:latin typeface="consolas" panose="020B0609020204030204" pitchFamily="49" charset="0"/>
+              </a:rPr>
+              <a:t>1:</a:t>
+            </a:r>
+          </a:p>
+          <a:p>
+            <a:pPr marL="1371600" lvl="3" indent="0" algn="l">
+              <a:buNone/>
+            </a:pPr>
+            <a:r>
+              <a:rPr lang="it-IT" sz="2800" b="0" i="0" dirty="0" err="1">
+                <a:effectLst/>
+                <a:latin typeface="consolas" panose="020B0609020204030204" pitchFamily="49" charset="0"/>
+              </a:rPr>
+              <a:t>entities</a:t>
+            </a:r>
+            <a:r>
+              <a:rPr lang="it-IT" sz="2800" b="0" i="0" dirty="0">
+                <a:effectLst/>
+                <a:latin typeface="consolas" panose="020B0609020204030204" pitchFamily="49" charset="0"/>
+              </a:rPr>
+              <a:t>: (5) [{…}, {…}, {…}, {…}, {…}]</a:t>
+            </a:r>
+          </a:p>
+          <a:p>
+            <a:pPr marL="1371600" lvl="3" indent="0" algn="l">
+              <a:buNone/>
+            </a:pPr>
+            <a:r>
+              <a:rPr lang="it-IT" sz="2800" b="0" i="0" dirty="0">
+                <a:effectLst/>
+                <a:latin typeface="consolas" panose="020B0609020204030204" pitchFamily="49" charset="0"/>
+              </a:rPr>
+              <a:t>group: "HOTEL_GROUP"</a:t>
+            </a:r>
+          </a:p>
+          <a:p>
+            <a:pPr marL="1371600" lvl="3" indent="0" algn="l">
+              <a:buNone/>
+            </a:pPr>
+            <a:r>
+              <a:rPr lang="it-IT" sz="2800" b="0" i="0" dirty="0">
+                <a:effectLst/>
+                <a:latin typeface="consolas" panose="020B0609020204030204" pitchFamily="49" charset="0"/>
+              </a:rPr>
+              <a:t>__proto__:</a:t>
+            </a:r>
+          </a:p>
+          <a:p>
+            <a:pPr marL="1828800" lvl="4" indent="0" algn="l">
+              <a:buNone/>
+            </a:pPr>
+            <a:r>
+              <a:rPr lang="it-IT" sz="2800" b="0" i="0" dirty="0" err="1">
+                <a:effectLst/>
+                <a:latin typeface="consolas" panose="020B0609020204030204" pitchFamily="49" charset="0"/>
+              </a:rPr>
+              <a:t>constructor</a:t>
+            </a:r>
+            <a:r>
+              <a:rPr lang="it-IT" sz="2800" b="0" i="0" dirty="0">
+                <a:effectLst/>
+                <a:latin typeface="consolas" panose="020B0609020204030204" pitchFamily="49" charset="0"/>
+              </a:rPr>
+              <a:t>: </a:t>
+            </a:r>
+            <a:r>
+              <a:rPr lang="it-IT" sz="2800" b="0" i="1" dirty="0">
+                <a:effectLst/>
+                <a:latin typeface="consolas" panose="020B0609020204030204" pitchFamily="49" charset="0"/>
+              </a:rPr>
+              <a:t>ƒ Object()</a:t>
+            </a:r>
+            <a:endParaRPr lang="it-IT" sz="2800" b="0" i="0" dirty="0">
+              <a:effectLst/>
+              <a:latin typeface="consolas" panose="020B0609020204030204" pitchFamily="49" charset="0"/>
+            </a:endParaRPr>
+          </a:p>
+          <a:p>
+            <a:pPr marL="1828800" lvl="4" indent="0" algn="l">
+              <a:buNone/>
+            </a:pPr>
+            <a:r>
+              <a:rPr lang="it-IT" sz="2800" b="0" i="0" dirty="0" err="1">
+                <a:effectLst/>
+                <a:latin typeface="consolas" panose="020B0609020204030204" pitchFamily="49" charset="0"/>
+              </a:rPr>
+              <a:t>hasOwnProperty</a:t>
+            </a:r>
+            <a:r>
+              <a:rPr lang="it-IT" sz="2800" b="0" i="0" dirty="0">
+                <a:effectLst/>
+                <a:latin typeface="consolas" panose="020B0609020204030204" pitchFamily="49" charset="0"/>
+              </a:rPr>
+              <a:t>: </a:t>
+            </a:r>
+            <a:r>
+              <a:rPr lang="it-IT" sz="2800" b="0" i="1" dirty="0">
+                <a:effectLst/>
+                <a:latin typeface="consolas" panose="020B0609020204030204" pitchFamily="49" charset="0"/>
+              </a:rPr>
+              <a:t>ƒ </a:t>
+            </a:r>
+            <a:r>
+              <a:rPr lang="it-IT" sz="2800" b="0" i="1" dirty="0" err="1">
+                <a:effectLst/>
+                <a:latin typeface="consolas" panose="020B0609020204030204" pitchFamily="49" charset="0"/>
+              </a:rPr>
+              <a:t>hasOwnProperty</a:t>
+            </a:r>
+            <a:r>
+              <a:rPr lang="it-IT" sz="2800" b="0" i="1" dirty="0">
+                <a:effectLst/>
+                <a:latin typeface="consolas" panose="020B0609020204030204" pitchFamily="49" charset="0"/>
+              </a:rPr>
+              <a:t>()</a:t>
+            </a:r>
+            <a:endParaRPr lang="it-IT" sz="2800" b="0" i="0" dirty="0">
+              <a:effectLst/>
+              <a:latin typeface="consolas" panose="020B0609020204030204" pitchFamily="49" charset="0"/>
+            </a:endParaRPr>
+          </a:p>
+          <a:p>
+            <a:pPr marL="1828800" lvl="4" indent="0" algn="l">
+              <a:buNone/>
+            </a:pPr>
+            <a:r>
+              <a:rPr lang="it-IT" sz="2800" b="0" i="0" dirty="0" err="1">
+                <a:effectLst/>
+                <a:latin typeface="consolas" panose="020B0609020204030204" pitchFamily="49" charset="0"/>
+              </a:rPr>
+              <a:t>isPrototypeOf</a:t>
+            </a:r>
+            <a:r>
+              <a:rPr lang="it-IT" sz="2800" b="0" i="0" dirty="0">
+                <a:effectLst/>
+                <a:latin typeface="consolas" panose="020B0609020204030204" pitchFamily="49" charset="0"/>
+              </a:rPr>
+              <a:t>: </a:t>
+            </a:r>
+            <a:r>
+              <a:rPr lang="it-IT" sz="2800" b="0" i="1" dirty="0">
+                <a:effectLst/>
+                <a:latin typeface="consolas" panose="020B0609020204030204" pitchFamily="49" charset="0"/>
+              </a:rPr>
+              <a:t>ƒ </a:t>
+            </a:r>
+            <a:r>
+              <a:rPr lang="it-IT" sz="2800" b="0" i="1" dirty="0" err="1">
+                <a:effectLst/>
+                <a:latin typeface="consolas" panose="020B0609020204030204" pitchFamily="49" charset="0"/>
+              </a:rPr>
+              <a:t>isPrototypeOf</a:t>
+            </a:r>
+            <a:r>
+              <a:rPr lang="it-IT" sz="2800" b="0" i="1" dirty="0">
+                <a:effectLst/>
+                <a:latin typeface="consolas" panose="020B0609020204030204" pitchFamily="49" charset="0"/>
+              </a:rPr>
+              <a:t>()</a:t>
+            </a:r>
+            <a:endParaRPr lang="it-IT" sz="2800" b="0" i="0" dirty="0">
+              <a:effectLst/>
+              <a:latin typeface="consolas" panose="020B0609020204030204" pitchFamily="49" charset="0"/>
+            </a:endParaRPr>
+          </a:p>
+          <a:p>
+            <a:pPr marL="1828800" lvl="4" indent="0" algn="l">
+              <a:buNone/>
+            </a:pPr>
+            <a:r>
+              <a:rPr lang="it-IT" sz="2800" b="0" i="0" dirty="0" err="1">
+                <a:effectLst/>
+                <a:latin typeface="consolas" panose="020B0609020204030204" pitchFamily="49" charset="0"/>
+              </a:rPr>
+              <a:t>propertyIsEnumerable</a:t>
+            </a:r>
+            <a:r>
+              <a:rPr lang="it-IT" sz="2800" b="0" i="0" dirty="0">
+                <a:effectLst/>
+                <a:latin typeface="consolas" panose="020B0609020204030204" pitchFamily="49" charset="0"/>
+              </a:rPr>
+              <a:t>: </a:t>
+            </a:r>
+            <a:r>
+              <a:rPr lang="it-IT" sz="2800" b="0" i="1" dirty="0">
+                <a:effectLst/>
+                <a:latin typeface="consolas" panose="020B0609020204030204" pitchFamily="49" charset="0"/>
+              </a:rPr>
+              <a:t>ƒ </a:t>
+            </a:r>
+            <a:r>
+              <a:rPr lang="it-IT" sz="2800" b="0" i="1" dirty="0" err="1">
+                <a:effectLst/>
+                <a:latin typeface="consolas" panose="020B0609020204030204" pitchFamily="49" charset="0"/>
+              </a:rPr>
+              <a:t>propertyIsEnumerable</a:t>
+            </a:r>
+            <a:r>
+              <a:rPr lang="it-IT" sz="2800" b="0" i="1" dirty="0">
+                <a:effectLst/>
+                <a:latin typeface="consolas" panose="020B0609020204030204" pitchFamily="49" charset="0"/>
+              </a:rPr>
+              <a:t>()</a:t>
+            </a:r>
+            <a:endParaRPr lang="it-IT" sz="2800" b="0" i="0" dirty="0">
+              <a:effectLst/>
+              <a:latin typeface="consolas" panose="020B0609020204030204" pitchFamily="49" charset="0"/>
+            </a:endParaRPr>
+          </a:p>
+          <a:p>
+            <a:pPr marL="1828800" lvl="4" indent="0" algn="l">
+              <a:buNone/>
+            </a:pPr>
+            <a:r>
+              <a:rPr lang="it-IT" sz="2800" b="0" i="0" dirty="0" err="1">
+                <a:effectLst/>
+                <a:latin typeface="consolas" panose="020B0609020204030204" pitchFamily="49" charset="0"/>
+              </a:rPr>
+              <a:t>toLocaleString</a:t>
+            </a:r>
+            <a:r>
+              <a:rPr lang="it-IT" sz="2800" b="0" i="0" dirty="0">
+                <a:effectLst/>
+                <a:latin typeface="consolas" panose="020B0609020204030204" pitchFamily="49" charset="0"/>
+              </a:rPr>
+              <a:t>: </a:t>
+            </a:r>
+            <a:r>
+              <a:rPr lang="it-IT" sz="2800" b="0" i="1" dirty="0">
+                <a:effectLst/>
+                <a:latin typeface="consolas" panose="020B0609020204030204" pitchFamily="49" charset="0"/>
+              </a:rPr>
+              <a:t>ƒ </a:t>
+            </a:r>
+            <a:r>
+              <a:rPr lang="it-IT" sz="2800" b="0" i="1" dirty="0" err="1">
+                <a:effectLst/>
+                <a:latin typeface="consolas" panose="020B0609020204030204" pitchFamily="49" charset="0"/>
+              </a:rPr>
+              <a:t>toLocaleString</a:t>
+            </a:r>
+            <a:r>
+              <a:rPr lang="it-IT" sz="2800" b="0" i="1" dirty="0">
+                <a:effectLst/>
+                <a:latin typeface="consolas" panose="020B0609020204030204" pitchFamily="49" charset="0"/>
+              </a:rPr>
+              <a:t>()</a:t>
+            </a:r>
+            <a:endParaRPr lang="it-IT" sz="2800" b="0" i="0" dirty="0">
+              <a:effectLst/>
+              <a:latin typeface="consolas" panose="020B0609020204030204" pitchFamily="49" charset="0"/>
+            </a:endParaRPr>
+          </a:p>
+          <a:p>
+            <a:pPr marL="1828800" lvl="4" indent="0" algn="l">
+              <a:buNone/>
+            </a:pPr>
+            <a:r>
+              <a:rPr lang="it-IT" sz="2800" b="0" i="0" dirty="0" err="1">
+                <a:effectLst/>
+                <a:latin typeface="consolas" panose="020B0609020204030204" pitchFamily="49" charset="0"/>
+              </a:rPr>
+              <a:t>toString</a:t>
+            </a:r>
+            <a:r>
+              <a:rPr lang="it-IT" sz="2800" b="0" i="0" dirty="0">
+                <a:effectLst/>
+                <a:latin typeface="consolas" panose="020B0609020204030204" pitchFamily="49" charset="0"/>
+              </a:rPr>
+              <a:t>: </a:t>
+            </a:r>
+            <a:r>
+              <a:rPr lang="it-IT" sz="2800" b="0" i="1" dirty="0">
+                <a:effectLst/>
+                <a:latin typeface="consolas" panose="020B0609020204030204" pitchFamily="49" charset="0"/>
+              </a:rPr>
+              <a:t>ƒ </a:t>
+            </a:r>
+            <a:r>
+              <a:rPr lang="it-IT" sz="2800" b="0" i="1" dirty="0" err="1">
+                <a:effectLst/>
+                <a:latin typeface="consolas" panose="020B0609020204030204" pitchFamily="49" charset="0"/>
+              </a:rPr>
+              <a:t>toString</a:t>
+            </a:r>
+            <a:r>
+              <a:rPr lang="it-IT" sz="2800" b="0" i="1" dirty="0">
+                <a:effectLst/>
+                <a:latin typeface="consolas" panose="020B0609020204030204" pitchFamily="49" charset="0"/>
+              </a:rPr>
+              <a:t>()</a:t>
+            </a:r>
+            <a:endParaRPr lang="it-IT" sz="2800" b="0" i="0" dirty="0">
+              <a:effectLst/>
+              <a:latin typeface="consolas" panose="020B0609020204030204" pitchFamily="49" charset="0"/>
+            </a:endParaRPr>
+          </a:p>
+          <a:p>
+            <a:pPr marL="1828800" lvl="4" indent="0" algn="l">
+              <a:buNone/>
+            </a:pPr>
+            <a:r>
+              <a:rPr lang="it-IT" sz="2800" b="0" i="0" dirty="0" err="1">
+                <a:effectLst/>
+                <a:latin typeface="consolas" panose="020B0609020204030204" pitchFamily="49" charset="0"/>
+              </a:rPr>
+              <a:t>valueOf</a:t>
+            </a:r>
+            <a:r>
+              <a:rPr lang="it-IT" sz="2800" b="0" i="0" dirty="0">
+                <a:effectLst/>
+                <a:latin typeface="consolas" panose="020B0609020204030204" pitchFamily="49" charset="0"/>
+              </a:rPr>
+              <a:t>: </a:t>
+            </a:r>
+            <a:r>
+              <a:rPr lang="it-IT" sz="2800" b="0" i="1" dirty="0">
+                <a:effectLst/>
+                <a:latin typeface="consolas" panose="020B0609020204030204" pitchFamily="49" charset="0"/>
+              </a:rPr>
+              <a:t>ƒ </a:t>
+            </a:r>
+            <a:r>
+              <a:rPr lang="it-IT" sz="2800" b="0" i="1" dirty="0" err="1">
+                <a:effectLst/>
+                <a:latin typeface="consolas" panose="020B0609020204030204" pitchFamily="49" charset="0"/>
+              </a:rPr>
+              <a:t>valueOf</a:t>
+            </a:r>
+            <a:r>
+              <a:rPr lang="it-IT" sz="2800" b="0" i="1" dirty="0">
+                <a:effectLst/>
+                <a:latin typeface="consolas" panose="020B0609020204030204" pitchFamily="49" charset="0"/>
+              </a:rPr>
+              <a:t>()</a:t>
+            </a:r>
+            <a:endParaRPr lang="it-IT" sz="2800" b="0" i="0" dirty="0">
+              <a:effectLst/>
+              <a:latin typeface="consolas" panose="020B0609020204030204" pitchFamily="49" charset="0"/>
+            </a:endParaRPr>
+          </a:p>
+          <a:p>
+            <a:pPr marL="1828800" lvl="4" indent="0" algn="l">
+              <a:buNone/>
+            </a:pPr>
+            <a:r>
+              <a:rPr lang="it-IT" sz="2800" b="0" i="0" dirty="0">
+                <a:effectLst/>
+                <a:latin typeface="consolas" panose="020B0609020204030204" pitchFamily="49" charset="0"/>
+              </a:rPr>
+              <a:t>__</a:t>
+            </a:r>
+            <a:r>
+              <a:rPr lang="it-IT" sz="2800" b="0" i="0" dirty="0" err="1">
+                <a:effectLst/>
+                <a:latin typeface="consolas" panose="020B0609020204030204" pitchFamily="49" charset="0"/>
+              </a:rPr>
+              <a:t>defineGetter</a:t>
+            </a:r>
+            <a:r>
+              <a:rPr lang="it-IT" sz="2800" b="0" i="0" dirty="0">
+                <a:effectLst/>
+                <a:latin typeface="consolas" panose="020B0609020204030204" pitchFamily="49" charset="0"/>
+              </a:rPr>
+              <a:t>__: </a:t>
+            </a:r>
+            <a:r>
+              <a:rPr lang="it-IT" sz="2800" b="0" i="1" dirty="0">
+                <a:effectLst/>
+                <a:latin typeface="consolas" panose="020B0609020204030204" pitchFamily="49" charset="0"/>
+              </a:rPr>
+              <a:t>ƒ __</a:t>
+            </a:r>
+            <a:r>
+              <a:rPr lang="it-IT" sz="2800" b="0" i="1" dirty="0" err="1">
+                <a:effectLst/>
+                <a:latin typeface="consolas" panose="020B0609020204030204" pitchFamily="49" charset="0"/>
+              </a:rPr>
+              <a:t>defineGetter</a:t>
+            </a:r>
+            <a:r>
+              <a:rPr lang="it-IT" sz="2800" b="0" i="1" dirty="0">
+                <a:effectLst/>
+                <a:latin typeface="consolas" panose="020B0609020204030204" pitchFamily="49" charset="0"/>
+              </a:rPr>
+              <a:t>__()</a:t>
+            </a:r>
+            <a:endParaRPr lang="it-IT" sz="2800" b="0" i="0" dirty="0">
+              <a:effectLst/>
+              <a:latin typeface="consolas" panose="020B0609020204030204" pitchFamily="49" charset="0"/>
+            </a:endParaRPr>
+          </a:p>
+          <a:p>
+            <a:pPr marL="1828800" lvl="4" indent="0" algn="l">
+              <a:buNone/>
+            </a:pPr>
+            <a:r>
+              <a:rPr lang="it-IT" sz="2800" b="0" i="0" dirty="0">
+                <a:effectLst/>
+                <a:latin typeface="consolas" panose="020B0609020204030204" pitchFamily="49" charset="0"/>
+              </a:rPr>
+              <a:t>__</a:t>
+            </a:r>
+            <a:r>
+              <a:rPr lang="it-IT" sz="2800" b="0" i="0" dirty="0" err="1">
+                <a:effectLst/>
+                <a:latin typeface="consolas" panose="020B0609020204030204" pitchFamily="49" charset="0"/>
+              </a:rPr>
+              <a:t>defineSetter</a:t>
+            </a:r>
+            <a:r>
+              <a:rPr lang="it-IT" sz="2800" b="0" i="0" dirty="0">
+                <a:effectLst/>
+                <a:latin typeface="consolas" panose="020B0609020204030204" pitchFamily="49" charset="0"/>
+              </a:rPr>
+              <a:t>__: </a:t>
+            </a:r>
+            <a:r>
+              <a:rPr lang="it-IT" sz="2800" b="0" i="1" dirty="0">
+                <a:effectLst/>
+                <a:latin typeface="consolas" panose="020B0609020204030204" pitchFamily="49" charset="0"/>
+              </a:rPr>
+              <a:t>ƒ __</a:t>
+            </a:r>
+            <a:r>
+              <a:rPr lang="it-IT" sz="2800" b="0" i="1" dirty="0" err="1">
+                <a:effectLst/>
+                <a:latin typeface="consolas" panose="020B0609020204030204" pitchFamily="49" charset="0"/>
+              </a:rPr>
+              <a:t>defineSetter</a:t>
+            </a:r>
+            <a:r>
+              <a:rPr lang="it-IT" sz="2800" b="0" i="1" dirty="0">
+                <a:effectLst/>
+                <a:latin typeface="consolas" panose="020B0609020204030204" pitchFamily="49" charset="0"/>
+              </a:rPr>
+              <a:t>__()</a:t>
+            </a:r>
+            <a:endParaRPr lang="it-IT" sz="2800" b="0" i="0" dirty="0">
+              <a:effectLst/>
+              <a:latin typeface="consolas" panose="020B0609020204030204" pitchFamily="49" charset="0"/>
+            </a:endParaRPr>
+          </a:p>
+          <a:p>
+            <a:pPr marL="1828800" lvl="4" indent="0" algn="l">
+              <a:buNone/>
+            </a:pPr>
+            <a:r>
+              <a:rPr lang="it-IT" sz="2800" b="0" i="0" dirty="0">
+                <a:effectLst/>
+                <a:latin typeface="consolas" panose="020B0609020204030204" pitchFamily="49" charset="0"/>
+              </a:rPr>
+              <a:t>__</a:t>
+            </a:r>
+            <a:r>
+              <a:rPr lang="it-IT" sz="2800" b="0" i="0" dirty="0" err="1">
+                <a:effectLst/>
+                <a:latin typeface="consolas" panose="020B0609020204030204" pitchFamily="49" charset="0"/>
+              </a:rPr>
+              <a:t>lookupGetter</a:t>
+            </a:r>
+            <a:r>
+              <a:rPr lang="it-IT" sz="2800" b="0" i="0" dirty="0">
+                <a:effectLst/>
+                <a:latin typeface="consolas" panose="020B0609020204030204" pitchFamily="49" charset="0"/>
+              </a:rPr>
+              <a:t>__: </a:t>
+            </a:r>
+            <a:r>
+              <a:rPr lang="it-IT" sz="2800" b="0" i="1" dirty="0">
+                <a:effectLst/>
+                <a:latin typeface="consolas" panose="020B0609020204030204" pitchFamily="49" charset="0"/>
+              </a:rPr>
+              <a:t>ƒ __</a:t>
+            </a:r>
+            <a:r>
+              <a:rPr lang="it-IT" sz="2800" b="0" i="1" dirty="0" err="1">
+                <a:effectLst/>
+                <a:latin typeface="consolas" panose="020B0609020204030204" pitchFamily="49" charset="0"/>
+              </a:rPr>
+              <a:t>lookupGetter</a:t>
+            </a:r>
+            <a:r>
+              <a:rPr lang="it-IT" sz="2800" b="0" i="1" dirty="0">
+                <a:effectLst/>
+                <a:latin typeface="consolas" panose="020B0609020204030204" pitchFamily="49" charset="0"/>
+              </a:rPr>
+              <a:t>__()</a:t>
+            </a:r>
+            <a:endParaRPr lang="it-IT" sz="2800" b="0" i="0" dirty="0">
+              <a:effectLst/>
+              <a:latin typeface="consolas" panose="020B0609020204030204" pitchFamily="49" charset="0"/>
+            </a:endParaRPr>
+          </a:p>
+          <a:p>
+            <a:pPr marL="1828800" lvl="4" indent="0" algn="l">
+              <a:buNone/>
+            </a:pPr>
+            <a:r>
+              <a:rPr lang="it-IT" sz="2800" b="0" i="0" dirty="0">
+                <a:effectLst/>
+                <a:latin typeface="consolas" panose="020B0609020204030204" pitchFamily="49" charset="0"/>
+              </a:rPr>
+              <a:t>__</a:t>
+            </a:r>
+            <a:r>
+              <a:rPr lang="it-IT" sz="2800" b="0" i="0" dirty="0" err="1">
+                <a:effectLst/>
+                <a:latin typeface="consolas" panose="020B0609020204030204" pitchFamily="49" charset="0"/>
+              </a:rPr>
+              <a:t>lookupSetter</a:t>
+            </a:r>
+            <a:r>
+              <a:rPr lang="it-IT" sz="2800" b="0" i="0" dirty="0">
+                <a:effectLst/>
+                <a:latin typeface="consolas" panose="020B0609020204030204" pitchFamily="49" charset="0"/>
+              </a:rPr>
+              <a:t>__: </a:t>
+            </a:r>
+            <a:r>
+              <a:rPr lang="it-IT" sz="2800" b="0" i="1" dirty="0">
+                <a:effectLst/>
+                <a:latin typeface="consolas" panose="020B0609020204030204" pitchFamily="49" charset="0"/>
+              </a:rPr>
+              <a:t>ƒ __</a:t>
+            </a:r>
+            <a:r>
+              <a:rPr lang="it-IT" sz="2800" b="0" i="1" dirty="0" err="1">
+                <a:effectLst/>
+                <a:latin typeface="consolas" panose="020B0609020204030204" pitchFamily="49" charset="0"/>
+              </a:rPr>
+              <a:t>lookupSetter</a:t>
+            </a:r>
+            <a:r>
+              <a:rPr lang="it-IT" sz="2800" b="0" i="1" dirty="0">
+                <a:effectLst/>
+                <a:latin typeface="consolas" panose="020B0609020204030204" pitchFamily="49" charset="0"/>
+              </a:rPr>
+              <a:t>__()</a:t>
+            </a:r>
+            <a:endParaRPr lang="it-IT" sz="2800" b="0" i="0" dirty="0">
+              <a:effectLst/>
+              <a:latin typeface="consolas" panose="020B0609020204030204" pitchFamily="49" charset="0"/>
+            </a:endParaRPr>
+          </a:p>
+          <a:p>
+            <a:pPr marL="1828800" lvl="4" indent="0" algn="l">
+              <a:buNone/>
+            </a:pPr>
+            <a:r>
+              <a:rPr lang="it-IT" sz="2800" b="0" i="0" dirty="0" err="1">
+                <a:effectLst/>
+                <a:latin typeface="consolas" panose="020B0609020204030204" pitchFamily="49" charset="0"/>
+              </a:rPr>
+              <a:t>get</a:t>
+            </a:r>
+            <a:r>
+              <a:rPr lang="it-IT" sz="2800" b="0" i="0" dirty="0">
+                <a:effectLst/>
+                <a:latin typeface="consolas" panose="020B0609020204030204" pitchFamily="49" charset="0"/>
+              </a:rPr>
+              <a:t> __proto__: </a:t>
+            </a:r>
+            <a:r>
+              <a:rPr lang="it-IT" sz="2800" b="0" i="1" dirty="0">
+                <a:effectLst/>
+                <a:latin typeface="consolas" panose="020B0609020204030204" pitchFamily="49" charset="0"/>
+              </a:rPr>
+              <a:t>ƒ __proto__()</a:t>
+            </a:r>
+            <a:endParaRPr lang="it-IT" sz="2800" b="0" i="0" dirty="0">
+              <a:effectLst/>
+              <a:latin typeface="consolas" panose="020B0609020204030204" pitchFamily="49" charset="0"/>
+            </a:endParaRPr>
+          </a:p>
+          <a:p>
+            <a:pPr marL="1828800" lvl="4" indent="0" algn="l">
+              <a:buNone/>
+            </a:pPr>
+            <a:r>
+              <a:rPr lang="it-IT" sz="2800" b="0" i="0" dirty="0">
+                <a:effectLst/>
+                <a:latin typeface="consolas" panose="020B0609020204030204" pitchFamily="49" charset="0"/>
+              </a:rPr>
+              <a:t>set __proto__: </a:t>
+            </a:r>
+            <a:r>
+              <a:rPr lang="it-IT" sz="2800" b="0" i="1" dirty="0">
+                <a:effectLst/>
+                <a:latin typeface="consolas" panose="020B0609020204030204" pitchFamily="49" charset="0"/>
+              </a:rPr>
+              <a:t>ƒ __proto__()</a:t>
+            </a:r>
+            <a:endParaRPr lang="it-IT" sz="2800" b="0" i="0" dirty="0">
+              <a:effectLst/>
+              <a:latin typeface="consolas" panose="020B0609020204030204" pitchFamily="49" charset="0"/>
+            </a:endParaRPr>
+          </a:p>
+          <a:p>
+            <a:pPr marL="914400" lvl="2" indent="0" algn="l">
+              <a:buNone/>
+            </a:pPr>
+            <a:r>
+              <a:rPr lang="it-IT" sz="2800" b="0" i="0" dirty="0">
+                <a:effectLst/>
+                <a:latin typeface="consolas" panose="020B0609020204030204" pitchFamily="49" charset="0"/>
+              </a:rPr>
+              <a:t>2: {group: "LANDMARK_GROUP", </a:t>
+            </a:r>
+            <a:r>
+              <a:rPr lang="it-IT" sz="2800" b="0" i="0" dirty="0" err="1">
+                <a:effectLst/>
+                <a:latin typeface="consolas" panose="020B0609020204030204" pitchFamily="49" charset="0"/>
+              </a:rPr>
+              <a:t>entities</a:t>
+            </a:r>
+            <a:r>
+              <a:rPr lang="it-IT" sz="2800" b="0" i="0" dirty="0">
+                <a:effectLst/>
+                <a:latin typeface="consolas" panose="020B0609020204030204" pitchFamily="49" charset="0"/>
+              </a:rPr>
+              <a:t>: Array(3)}</a:t>
+            </a:r>
+          </a:p>
+          <a:p>
+            <a:pPr marL="914400" lvl="2" indent="0" algn="l">
+              <a:buNone/>
+            </a:pPr>
+            <a:r>
+              <a:rPr lang="it-IT" sz="2800" b="0" i="0" dirty="0">
+                <a:effectLst/>
+                <a:latin typeface="consolas" panose="020B0609020204030204" pitchFamily="49" charset="0"/>
+              </a:rPr>
+              <a:t>3: {group: "TRANSPORT_GROUP", </a:t>
+            </a:r>
+            <a:r>
+              <a:rPr lang="it-IT" sz="2800" b="0" i="0" dirty="0" err="1">
+                <a:effectLst/>
+                <a:latin typeface="consolas" panose="020B0609020204030204" pitchFamily="49" charset="0"/>
+              </a:rPr>
+              <a:t>entities</a:t>
+            </a:r>
+            <a:r>
+              <a:rPr lang="it-IT" sz="2800" b="0" i="0" dirty="0">
+                <a:effectLst/>
+                <a:latin typeface="consolas" panose="020B0609020204030204" pitchFamily="49" charset="0"/>
+              </a:rPr>
+              <a:t>: Array(2)}</a:t>
+            </a:r>
+          </a:p>
+          <a:p>
+            <a:pPr marL="914400" lvl="2" indent="0" algn="l">
+              <a:buNone/>
+            </a:pPr>
+            <a:r>
+              <a:rPr lang="it-IT" sz="2800" b="0" i="0" dirty="0" err="1">
+                <a:effectLst/>
+                <a:latin typeface="consolas" panose="020B0609020204030204" pitchFamily="49" charset="0"/>
+              </a:rPr>
+              <a:t>length</a:t>
+            </a:r>
+            <a:r>
+              <a:rPr lang="it-IT" sz="2800" b="0" i="0" dirty="0">
+                <a:effectLst/>
+                <a:latin typeface="consolas" panose="020B0609020204030204" pitchFamily="49" charset="0"/>
+              </a:rPr>
+              <a:t>: 4</a:t>
+            </a:r>
+          </a:p>
+          <a:p>
+            <a:pPr marL="914400" lvl="2" indent="0" algn="l">
+              <a:buNone/>
+            </a:pPr>
+            <a:r>
+              <a:rPr lang="it-IT" sz="2800" b="0" i="0" dirty="0">
+                <a:effectLst/>
+                <a:latin typeface="consolas" panose="020B0609020204030204" pitchFamily="49" charset="0"/>
+              </a:rPr>
+              <a:t>__proto__: Array(0)</a:t>
+            </a:r>
+          </a:p>
+          <a:p>
+            <a:pPr marL="457200" lvl="1" indent="0" algn="l">
+              <a:buNone/>
+            </a:pPr>
+            <a:r>
+              <a:rPr lang="it-IT" sz="2800" b="0" i="0" dirty="0" err="1">
+                <a:effectLst/>
+                <a:latin typeface="consolas" panose="020B0609020204030204" pitchFamily="49" charset="0"/>
+              </a:rPr>
+              <a:t>term</a:t>
+            </a:r>
+            <a:r>
+              <a:rPr lang="it-IT" sz="2800" b="0" i="0" dirty="0">
+                <a:effectLst/>
+                <a:latin typeface="consolas" panose="020B0609020204030204" pitchFamily="49" charset="0"/>
+              </a:rPr>
+              <a:t>: "Catania"</a:t>
+            </a:r>
+          </a:p>
+          <a:p>
+            <a:pPr marL="457200" lvl="1" indent="0" algn="l">
+              <a:buNone/>
+            </a:pPr>
+            <a:r>
+              <a:rPr lang="it-IT" sz="2800" b="0" i="0" dirty="0" err="1">
+                <a:effectLst/>
+                <a:latin typeface="consolas" panose="020B0609020204030204" pitchFamily="49" charset="0"/>
+              </a:rPr>
+              <a:t>trackingID</a:t>
+            </a:r>
+            <a:r>
+              <a:rPr lang="it-IT" sz="2800" b="0" i="0" dirty="0">
+                <a:effectLst/>
+                <a:latin typeface="consolas" panose="020B0609020204030204" pitchFamily="49" charset="0"/>
+              </a:rPr>
+              <a:t>: "60870dedc0ccf2deba8a6c536817d9cf"</a:t>
+            </a:r>
+          </a:p>
+          <a:p>
+            <a:pPr marL="457200" lvl="1" indent="0" algn="l">
+              <a:buNone/>
+            </a:pPr>
+            <a:r>
+              <a:rPr lang="it-IT" sz="2800" b="0" i="0" dirty="0">
+                <a:effectLst/>
+                <a:latin typeface="consolas" panose="020B0609020204030204" pitchFamily="49" charset="0"/>
+              </a:rPr>
+              <a:t>__proto__: Object</a:t>
+            </a:r>
+          </a:p>
+          <a:p>
+            <a:pPr marL="0" indent="0">
+              <a:buNone/>
+            </a:pPr>
+            <a:endParaRPr lang="it-IT" dirty="0"/>
+          </a:p>
+        </p:txBody>
+      </p:sp>
+    </p:spTree>
+    <p:extLst>
+      <p:ext uri="{BB962C8B-B14F-4D97-AF65-F5344CB8AC3E}">
+        <p14:creationId xmlns:p14="http://schemas.microsoft.com/office/powerpoint/2010/main" val="2230977096"/>
+      </p:ext>
+    </p:extLst>
+  </p:cSld>
+  <p:clrMapOvr>
+    <a:masterClrMapping/>
+  </p:clrMapOvr>
+</p:sld>
+</file>
+
 <file path=ppt/theme/theme1.xml><?xml version="1.0" encoding="utf-8"?>
 <a:theme xmlns:a="http://schemas.openxmlformats.org/drawingml/2006/main" name="Raccolta">
   <a:themeElements>
